--- a/_memo/100knocks.pptx
+++ b/_memo/100knocks.pptx
@@ -5,16 +5,18 @@
     <p:sldMasterId id="2147483648" r:id="rId1"/>
   </p:sldMasterIdLst>
   <p:notesMasterIdLst>
-    <p:notesMasterId r:id="rId6"/>
+    <p:notesMasterId r:id="rId8"/>
   </p:notesMasterIdLst>
   <p:handoutMasterIdLst>
-    <p:handoutMasterId r:id="rId7"/>
+    <p:handoutMasterId r:id="rId9"/>
   </p:handoutMasterIdLst>
   <p:sldIdLst>
     <p:sldId id="633" r:id="rId2"/>
     <p:sldId id="636" r:id="rId3"/>
     <p:sldId id="635" r:id="rId4"/>
     <p:sldId id="634" r:id="rId5"/>
+    <p:sldId id="637" r:id="rId6"/>
+    <p:sldId id="638" r:id="rId7"/>
   </p:sldIdLst>
   <p:sldSz cx="12192000" cy="6858000"/>
   <p:notesSz cx="6735763" cy="9866313"/>
@@ -122,6 +124,8 @@
             <p14:sldId id="636"/>
             <p14:sldId id="635"/>
             <p14:sldId id="634"/>
+            <p14:sldId id="637"/>
+            <p14:sldId id="638"/>
           </p14:sldIdLst>
         </p14:section>
         <p14:section name="アイコン" id="{E6A61129-24E8-BE4F-97F7-218E9035C89D}">
@@ -246,7 +250,7 @@
           </a:lstStyle>
           <a:p>
             <a:fld id="{F4EC1F04-A1CF-A64F-8670-D4A663991F5F}" type="datetimeFigureOut">
-              <a:t>2025/3/2</a:t>
+              <a:t>2025/3/30</a:t>
             </a:fld>
             <a:endParaRPr kumimoji="1" lang="ja-JP" altLang="en-US"/>
           </a:p>
@@ -422,7 +426,7 @@
           <a:p>
             <a:fld id="{CCF4AC06-B0E3-4F8D-B03B-27FBE5868222}" type="datetimeFigureOut">
               <a:rPr kumimoji="1" lang="ja-JP" altLang="en-US" smtClean="0"/>
-              <a:t>2025/3/2</a:t>
+              <a:t>2025/3/30</a:t>
             </a:fld>
             <a:endParaRPr kumimoji="1" lang="ja-JP" altLang="en-US"/>
           </a:p>
@@ -3467,7 +3471,7 @@
           </a:ln>
           <a:extLst>
             <a:ext uri="{C572A759-6A51-4108-AA02-DFA0A04FC94B}">
-              <ma14:wrappingTextBoxFlag xmlns:ma14="http://schemas.microsoft.com/office/mac/drawingml/2011/main" xmlns="" val="1"/>
+              <ma14:wrappingTextBoxFlag xmlns="" xmlns:ma14="http://schemas.microsoft.com/office/mac/drawingml/2011/main" val="1"/>
             </a:ext>
           </a:extLst>
         </p:spPr>
@@ -3719,7 +3723,7 @@
           </a:ln>
           <a:extLst>
             <a:ext uri="{C572A759-6A51-4108-AA02-DFA0A04FC94B}">
-              <ma14:wrappingTextBoxFlag xmlns:ma14="http://schemas.microsoft.com/office/mac/drawingml/2011/main" xmlns="" val="1"/>
+              <ma14:wrappingTextBoxFlag xmlns="" xmlns:ma14="http://schemas.microsoft.com/office/mac/drawingml/2011/main" val="1"/>
             </a:ext>
           </a:extLst>
         </p:spPr>
@@ -3956,7 +3960,7 @@
             </a:ln>
             <a:extLst>
               <a:ext uri="{C572A759-6A51-4108-AA02-DFA0A04FC94B}">
-                <ma14:wrappingTextBoxFlag xmlns:ma14="http://schemas.microsoft.com/office/mac/drawingml/2011/main" xmlns="" val="1"/>
+                <ma14:wrappingTextBoxFlag xmlns="" xmlns:ma14="http://schemas.microsoft.com/office/mac/drawingml/2011/main" val="1"/>
               </a:ext>
             </a:extLst>
           </p:spPr>
@@ -4026,7 +4030,7 @@
             </a:ln>
             <a:extLst>
               <a:ext uri="{C572A759-6A51-4108-AA02-DFA0A04FC94B}">
-                <ma14:wrappingTextBoxFlag xmlns:ma14="http://schemas.microsoft.com/office/mac/drawingml/2011/main" xmlns="" val="1"/>
+                <ma14:wrappingTextBoxFlag xmlns="" xmlns:ma14="http://schemas.microsoft.com/office/mac/drawingml/2011/main" val="1"/>
               </a:ext>
             </a:extLst>
           </p:spPr>
@@ -4096,7 +4100,7 @@
             </a:ln>
             <a:extLst>
               <a:ext uri="{C572A759-6A51-4108-AA02-DFA0A04FC94B}">
-                <ma14:wrappingTextBoxFlag xmlns:ma14="http://schemas.microsoft.com/office/mac/drawingml/2011/main" xmlns="" val="1"/>
+                <ma14:wrappingTextBoxFlag xmlns="" xmlns:ma14="http://schemas.microsoft.com/office/mac/drawingml/2011/main" val="1"/>
               </a:ext>
             </a:extLst>
           </p:spPr>
@@ -4363,7 +4367,7 @@
           </a:ln>
           <a:extLst>
             <a:ext uri="{C572A759-6A51-4108-AA02-DFA0A04FC94B}">
-              <ma14:wrappingTextBoxFlag xmlns:ma14="http://schemas.microsoft.com/office/mac/drawingml/2011/main" xmlns="" val="1"/>
+              <ma14:wrappingTextBoxFlag xmlns="" xmlns:ma14="http://schemas.microsoft.com/office/mac/drawingml/2011/main" val="1"/>
             </a:ext>
           </a:extLst>
         </p:spPr>
@@ -4615,7 +4619,7 @@
           </a:ln>
           <a:extLst>
             <a:ext uri="{C572A759-6A51-4108-AA02-DFA0A04FC94B}">
-              <ma14:wrappingTextBoxFlag xmlns:ma14="http://schemas.microsoft.com/office/mac/drawingml/2011/main" xmlns="" val="1"/>
+              <ma14:wrappingTextBoxFlag xmlns="" xmlns:ma14="http://schemas.microsoft.com/office/mac/drawingml/2011/main" val="1"/>
             </a:ext>
           </a:extLst>
         </p:spPr>
@@ -4832,7 +4836,7 @@
           </a:ln>
           <a:extLst>
             <a:ext uri="{C572A759-6A51-4108-AA02-DFA0A04FC94B}">
-              <ma14:wrappingTextBoxFlag xmlns:ma14="http://schemas.microsoft.com/office/mac/drawingml/2011/main" xmlns="" val="1"/>
+              <ma14:wrappingTextBoxFlag xmlns="" xmlns:ma14="http://schemas.microsoft.com/office/mac/drawingml/2011/main" val="1"/>
             </a:ext>
           </a:extLst>
         </p:spPr>
@@ -4904,7 +4908,7 @@
           </a:ln>
           <a:extLst>
             <a:ext uri="{C572A759-6A51-4108-AA02-DFA0A04FC94B}">
-              <ma14:wrappingTextBoxFlag xmlns:ma14="http://schemas.microsoft.com/office/mac/drawingml/2011/main" xmlns="" val="1"/>
+              <ma14:wrappingTextBoxFlag xmlns="" xmlns:ma14="http://schemas.microsoft.com/office/mac/drawingml/2011/main" val="1"/>
             </a:ext>
           </a:extLst>
         </p:spPr>
@@ -4974,7 +4978,7 @@
           </a:ln>
           <a:extLst>
             <a:ext uri="{C572A759-6A51-4108-AA02-DFA0A04FC94B}">
-              <ma14:wrappingTextBoxFlag xmlns:ma14="http://schemas.microsoft.com/office/mac/drawingml/2011/main" xmlns="" val="1"/>
+              <ma14:wrappingTextBoxFlag xmlns="" xmlns:ma14="http://schemas.microsoft.com/office/mac/drawingml/2011/main" val="1"/>
             </a:ext>
           </a:extLst>
         </p:spPr>
@@ -5235,7 +5239,7 @@
           </a:ln>
           <a:extLst>
             <a:ext uri="{C572A759-6A51-4108-AA02-DFA0A04FC94B}">
-              <ma14:wrappingTextBoxFlag xmlns:ma14="http://schemas.microsoft.com/office/mac/drawingml/2011/main" xmlns="" val="1"/>
+              <ma14:wrappingTextBoxFlag xmlns="" xmlns:ma14="http://schemas.microsoft.com/office/mac/drawingml/2011/main" val="1"/>
             </a:ext>
           </a:extLst>
         </p:spPr>
@@ -5487,7 +5491,7 @@
           </a:ln>
           <a:extLst>
             <a:ext uri="{C572A759-6A51-4108-AA02-DFA0A04FC94B}">
-              <ma14:wrappingTextBoxFlag xmlns:ma14="http://schemas.microsoft.com/office/mac/drawingml/2011/main" xmlns="" val="1"/>
+              <ma14:wrappingTextBoxFlag xmlns="" xmlns:ma14="http://schemas.microsoft.com/office/mac/drawingml/2011/main" val="1"/>
             </a:ext>
           </a:extLst>
         </p:spPr>
@@ -5704,7 +5708,7 @@
           </a:ln>
           <a:extLst>
             <a:ext uri="{C572A759-6A51-4108-AA02-DFA0A04FC94B}">
-              <ma14:wrappingTextBoxFlag xmlns:ma14="http://schemas.microsoft.com/office/mac/drawingml/2011/main" xmlns="" val="1"/>
+              <ma14:wrappingTextBoxFlag xmlns="" xmlns:ma14="http://schemas.microsoft.com/office/mac/drawingml/2011/main" val="1"/>
             </a:ext>
           </a:extLst>
         </p:spPr>
@@ -5774,7 +5778,7 @@
           </a:ln>
           <a:extLst>
             <a:ext uri="{C572A759-6A51-4108-AA02-DFA0A04FC94B}">
-              <ma14:wrappingTextBoxFlag xmlns:ma14="http://schemas.microsoft.com/office/mac/drawingml/2011/main" xmlns="" val="1"/>
+              <ma14:wrappingTextBoxFlag xmlns="" xmlns:ma14="http://schemas.microsoft.com/office/mac/drawingml/2011/main" val="1"/>
             </a:ext>
           </a:extLst>
         </p:spPr>
@@ -5846,7 +5850,7 @@
           </a:ln>
           <a:extLst>
             <a:ext uri="{C572A759-6A51-4108-AA02-DFA0A04FC94B}">
-              <ma14:wrappingTextBoxFlag xmlns:ma14="http://schemas.microsoft.com/office/mac/drawingml/2011/main" xmlns="" val="1"/>
+              <ma14:wrappingTextBoxFlag xmlns="" xmlns:ma14="http://schemas.microsoft.com/office/mac/drawingml/2011/main" val="1"/>
             </a:ext>
           </a:extLst>
         </p:spPr>
@@ -7733,7 +7737,7 @@
           </a:ln>
           <a:extLst>
             <a:ext uri="{C572A759-6A51-4108-AA02-DFA0A04FC94B}">
-              <ma14:wrappingTextBoxFlag xmlns:ma14="http://schemas.microsoft.com/office/mac/drawingml/2011/main" xmlns="" val="1"/>
+              <ma14:wrappingTextBoxFlag xmlns="" xmlns:ma14="http://schemas.microsoft.com/office/mac/drawingml/2011/main" val="1"/>
             </a:ext>
           </a:extLst>
         </p:spPr>
@@ -7847,7 +7851,7 @@
           </a:ln>
           <a:extLst>
             <a:ext uri="{C572A759-6A51-4108-AA02-DFA0A04FC94B}">
-              <ma14:wrappingTextBoxFlag xmlns:ma14="http://schemas.microsoft.com/office/mac/drawingml/2011/main" xmlns="" val="1"/>
+              <ma14:wrappingTextBoxFlag xmlns="" xmlns:ma14="http://schemas.microsoft.com/office/mac/drawingml/2011/main" val="1"/>
             </a:ext>
           </a:extLst>
         </p:spPr>
@@ -7956,7 +7960,7 @@
           </a:ln>
           <a:extLst>
             <a:ext uri="{C572A759-6A51-4108-AA02-DFA0A04FC94B}">
-              <ma14:wrappingTextBoxFlag xmlns:ma14="http://schemas.microsoft.com/office/mac/drawingml/2011/main" xmlns="" val="1"/>
+              <ma14:wrappingTextBoxFlag xmlns="" xmlns:ma14="http://schemas.microsoft.com/office/mac/drawingml/2011/main" val="1"/>
             </a:ext>
           </a:extLst>
         </p:spPr>
@@ -8069,7 +8073,7 @@
           </a:ln>
           <a:extLst>
             <a:ext uri="{C572A759-6A51-4108-AA02-DFA0A04FC94B}">
-              <ma14:wrappingTextBoxFlag xmlns:ma14="http://schemas.microsoft.com/office/mac/drawingml/2011/main" xmlns="" val="1"/>
+              <ma14:wrappingTextBoxFlag xmlns="" xmlns:ma14="http://schemas.microsoft.com/office/mac/drawingml/2011/main" val="1"/>
             </a:ext>
           </a:extLst>
         </p:spPr>
@@ -8114,7 +8118,7 @@
           </a:ln>
           <a:extLst>
             <a:ext uri="{C572A759-6A51-4108-AA02-DFA0A04FC94B}">
-              <ma14:wrappingTextBoxFlag xmlns:ma14="http://schemas.microsoft.com/office/mac/drawingml/2011/main" xmlns="" val="1"/>
+              <ma14:wrappingTextBoxFlag xmlns="" xmlns:ma14="http://schemas.microsoft.com/office/mac/drawingml/2011/main" val="1"/>
             </a:ext>
           </a:extLst>
         </p:spPr>
@@ -8189,7 +8193,7 @@
           </a:ln>
           <a:extLst>
             <a:ext uri="{C572A759-6A51-4108-AA02-DFA0A04FC94B}">
-              <ma14:wrappingTextBoxFlag xmlns:ma14="http://schemas.microsoft.com/office/mac/drawingml/2011/main" xmlns="" val="1"/>
+              <ma14:wrappingTextBoxFlag xmlns="" xmlns:ma14="http://schemas.microsoft.com/office/mac/drawingml/2011/main" val="1"/>
             </a:ext>
           </a:extLst>
         </p:spPr>
@@ -8280,7 +8284,7 @@
           </a:ln>
           <a:extLst>
             <a:ext uri="{C572A759-6A51-4108-AA02-DFA0A04FC94B}">
-              <ma14:wrappingTextBoxFlag xmlns:ma14="http://schemas.microsoft.com/office/mac/drawingml/2011/main" xmlns="" val="1"/>
+              <ma14:wrappingTextBoxFlag xmlns="" xmlns:ma14="http://schemas.microsoft.com/office/mac/drawingml/2011/main" val="1"/>
             </a:ext>
           </a:extLst>
         </p:spPr>
@@ -8325,7 +8329,7 @@
           </a:ln>
           <a:extLst>
             <a:ext uri="{C572A759-6A51-4108-AA02-DFA0A04FC94B}">
-              <ma14:wrappingTextBoxFlag xmlns:ma14="http://schemas.microsoft.com/office/mac/drawingml/2011/main" xmlns="" val="1"/>
+              <ma14:wrappingTextBoxFlag xmlns="" xmlns:ma14="http://schemas.microsoft.com/office/mac/drawingml/2011/main" val="1"/>
             </a:ext>
           </a:extLst>
         </p:spPr>
@@ -8400,7 +8404,7 @@
           </a:ln>
           <a:extLst>
             <a:ext uri="{C572A759-6A51-4108-AA02-DFA0A04FC94B}">
-              <ma14:wrappingTextBoxFlag xmlns:ma14="http://schemas.microsoft.com/office/mac/drawingml/2011/main" xmlns="" val="1"/>
+              <ma14:wrappingTextBoxFlag xmlns="" xmlns:ma14="http://schemas.microsoft.com/office/mac/drawingml/2011/main" val="1"/>
             </a:ext>
           </a:extLst>
         </p:spPr>
@@ -8491,7 +8495,7 @@
           </a:ln>
           <a:extLst>
             <a:ext uri="{C572A759-6A51-4108-AA02-DFA0A04FC94B}">
-              <ma14:wrappingTextBoxFlag xmlns:ma14="http://schemas.microsoft.com/office/mac/drawingml/2011/main" xmlns="" val="1"/>
+              <ma14:wrappingTextBoxFlag xmlns="" xmlns:ma14="http://schemas.microsoft.com/office/mac/drawingml/2011/main" val="1"/>
             </a:ext>
           </a:extLst>
         </p:spPr>
@@ -8536,7 +8540,7 @@
           </a:ln>
           <a:extLst>
             <a:ext uri="{C572A759-6A51-4108-AA02-DFA0A04FC94B}">
-              <ma14:wrappingTextBoxFlag xmlns:ma14="http://schemas.microsoft.com/office/mac/drawingml/2011/main" xmlns="" val="1"/>
+              <ma14:wrappingTextBoxFlag xmlns="" xmlns:ma14="http://schemas.microsoft.com/office/mac/drawingml/2011/main" val="1"/>
             </a:ext>
           </a:extLst>
         </p:spPr>
@@ -8615,7 +8619,7 @@
           </a:ln>
           <a:extLst>
             <a:ext uri="{C572A759-6A51-4108-AA02-DFA0A04FC94B}">
-              <ma14:wrappingTextBoxFlag xmlns:ma14="http://schemas.microsoft.com/office/mac/drawingml/2011/main" xmlns="" val="1"/>
+              <ma14:wrappingTextBoxFlag xmlns="" xmlns:ma14="http://schemas.microsoft.com/office/mac/drawingml/2011/main" val="1"/>
             </a:ext>
           </a:extLst>
         </p:spPr>
@@ -8705,10 +8709,434 @@
           </a:prstGeom>
         </p:spPr>
       </p:pic>
+      <p:sp>
+        <p:nvSpPr>
+          <p:cNvPr id="12" name="円/楕円 11">
+            <a:extLst>
+              <a:ext uri="{FF2B5EF4-FFF2-40B4-BE49-F238E27FC236}">
+                <a16:creationId xmlns:a16="http://schemas.microsoft.com/office/drawing/2014/main" id="{2FBE6B70-9719-7503-8EAB-1D81D030DA67}"/>
+              </a:ext>
+            </a:extLst>
+          </p:cNvPr>
+          <p:cNvSpPr/>
+          <p:nvPr/>
+        </p:nvSpPr>
+        <p:spPr>
+          <a:xfrm>
+            <a:off x="396664" y="5496086"/>
+            <a:ext cx="1299467" cy="1299467"/>
+          </a:xfrm>
+          <a:prstGeom prst="ellipse">
+            <a:avLst/>
+          </a:prstGeom>
+          <a:solidFill>
+            <a:srgbClr val="209CEE"/>
+          </a:solidFill>
+          <a:ln w="12700">
+            <a:noFill/>
+            <a:miter lim="400000"/>
+          </a:ln>
+          <a:extLst>
+            <a:ext uri="{C572A759-6A51-4108-AA02-DFA0A04FC94B}">
+              <ma14:wrappingTextBoxFlag xmlns:ma14="http://schemas.microsoft.com/office/mac/drawingml/2011/main" xmlns="" val="1"/>
+            </a:ext>
+          </a:extLst>
+        </p:spPr>
+        <p:txBody>
+          <a:bodyPr rtlCol="0" anchor="ctr"/>
+          <a:lstStyle/>
+          <a:p>
+            <a:pPr algn="ctr"/>
+            <a:endParaRPr kumimoji="1" lang="ja-JP" altLang="en-US" b="1">
+              <a:latin typeface="Lucida Calligraphy" panose="03010101010101010101" pitchFamily="66" charset="0"/>
+              <a:cs typeface="Brush Script MT" panose="03060802040406070304" pitchFamily="66" charset="-122"/>
+            </a:endParaRPr>
+          </a:p>
+        </p:txBody>
+      </p:sp>
     </p:spTree>
     <p:extLst>
       <p:ext uri="{BB962C8B-B14F-4D97-AF65-F5344CB8AC3E}">
         <p14:creationId xmlns:p14="http://schemas.microsoft.com/office/powerpoint/2010/main" val="2478076632"/>
+      </p:ext>
+    </p:extLst>
+  </p:cSld>
+  <p:clrMapOvr>
+    <a:masterClrMapping/>
+  </p:clrMapOvr>
+</p:sld>
+</file>
+
+<file path=ppt/slides/slide5.xml><?xml version="1.0" encoding="utf-8"?>
+<p:sld xmlns:a="http://schemas.openxmlformats.org/drawingml/2006/main" xmlns:r="http://schemas.openxmlformats.org/officeDocument/2006/relationships" xmlns:p="http://schemas.openxmlformats.org/presentationml/2006/main">
+  <p:cSld>
+    <p:spTree>
+      <p:nvGrpSpPr>
+        <p:cNvPr id="1" name=""/>
+        <p:cNvGrpSpPr/>
+        <p:nvPr/>
+      </p:nvGrpSpPr>
+      <p:grpSpPr>
+        <a:xfrm>
+          <a:off x="0" y="0"/>
+          <a:ext cx="0" cy="0"/>
+          <a:chOff x="0" y="0"/>
+          <a:chExt cx="0" cy="0"/>
+        </a:xfrm>
+      </p:grpSpPr>
+      <p:sp>
+        <p:nvSpPr>
+          <p:cNvPr id="17" name="正方形/長方形 16">
+            <a:extLst>
+              <a:ext uri="{FF2B5EF4-FFF2-40B4-BE49-F238E27FC236}">
+                <a16:creationId xmlns:a16="http://schemas.microsoft.com/office/drawing/2014/main" id="{5B7E9BC7-E1B5-80B6-63D0-4BEC40733C34}"/>
+              </a:ext>
+            </a:extLst>
+          </p:cNvPr>
+          <p:cNvSpPr>
+            <a:spLocks noChangeAspect="1"/>
+          </p:cNvSpPr>
+          <p:nvPr/>
+        </p:nvSpPr>
+        <p:spPr>
+          <a:xfrm>
+            <a:off x="3071972" y="621000"/>
+            <a:ext cx="5616000" cy="5616000"/>
+          </a:xfrm>
+          <a:prstGeom prst="rect">
+            <a:avLst/>
+          </a:prstGeom>
+          <a:solidFill>
+            <a:srgbClr val="209CEE"/>
+          </a:solidFill>
+          <a:ln w="12700">
+            <a:noFill/>
+            <a:miter lim="400000"/>
+          </a:ln>
+          <a:extLst>
+            <a:ext uri="{C572A759-6A51-4108-AA02-DFA0A04FC94B}">
+              <ma14:wrappingTextBoxFlag xmlns:ma14="http://schemas.microsoft.com/office/mac/drawingml/2011/main" xmlns="" val="1"/>
+            </a:ext>
+          </a:extLst>
+        </p:spPr>
+        <p:txBody>
+          <a:bodyPr rtlCol="0" anchor="ctr"/>
+          <a:lstStyle/>
+          <a:p>
+            <a:pPr algn="ctr"/>
+            <a:endParaRPr kumimoji="1" lang="ja-JP" altLang="en-US"/>
+          </a:p>
+        </p:txBody>
+      </p:sp>
+      <p:sp>
+        <p:nvSpPr>
+          <p:cNvPr id="18" name="斜め縞 17">
+            <a:extLst>
+              <a:ext uri="{FF2B5EF4-FFF2-40B4-BE49-F238E27FC236}">
+                <a16:creationId xmlns:a16="http://schemas.microsoft.com/office/drawing/2014/main" id="{52FC58BB-360A-291B-11C3-3DD5347978B2}"/>
+              </a:ext>
+            </a:extLst>
+          </p:cNvPr>
+          <p:cNvSpPr/>
+          <p:nvPr/>
+        </p:nvSpPr>
+        <p:spPr>
+          <a:xfrm rot="10800000">
+            <a:off x="138081" y="498513"/>
+            <a:ext cx="1406487" cy="2930487"/>
+          </a:xfrm>
+          <a:prstGeom prst="diagStripe">
+            <a:avLst>
+              <a:gd name="adj" fmla="val 52632"/>
+            </a:avLst>
+          </a:prstGeom>
+          <a:solidFill>
+            <a:srgbClr val="209CEE"/>
+          </a:solidFill>
+          <a:ln w="12700">
+            <a:noFill/>
+            <a:miter lim="400000"/>
+          </a:ln>
+          <a:extLst>
+            <a:ext uri="{C572A759-6A51-4108-AA02-DFA0A04FC94B}">
+              <ma14:wrappingTextBoxFlag xmlns:ma14="http://schemas.microsoft.com/office/mac/drawingml/2011/main" xmlns="" val="1"/>
+            </a:ext>
+          </a:extLst>
+        </p:spPr>
+        <p:txBody>
+          <a:bodyPr rtlCol="0" anchor="ctr"/>
+          <a:lstStyle/>
+          <a:p>
+            <a:pPr algn="ctr"/>
+            <a:endParaRPr kumimoji="1" lang="ja-JP" altLang="en-US"/>
+          </a:p>
+        </p:txBody>
+      </p:sp>
+      <p:sp>
+        <p:nvSpPr>
+          <p:cNvPr id="19" name="平行四辺形 18">
+            <a:extLst>
+              <a:ext uri="{FF2B5EF4-FFF2-40B4-BE49-F238E27FC236}">
+                <a16:creationId xmlns:a16="http://schemas.microsoft.com/office/drawing/2014/main" id="{65B35A7B-E1D8-5A99-723B-7F92D52F6798}"/>
+              </a:ext>
+            </a:extLst>
+          </p:cNvPr>
+          <p:cNvSpPr/>
+          <p:nvPr/>
+        </p:nvSpPr>
+        <p:spPr>
+          <a:xfrm>
+            <a:off x="3917668" y="1638759"/>
+            <a:ext cx="1700934" cy="3580482"/>
+          </a:xfrm>
+          <a:prstGeom prst="parallelogram">
+            <a:avLst>
+              <a:gd name="adj" fmla="val 55800"/>
+            </a:avLst>
+          </a:prstGeom>
+          <a:solidFill>
+            <a:schemeClr val="bg1">
+              <a:lumMod val="95000"/>
+            </a:schemeClr>
+          </a:solidFill>
+          <a:ln w="12700">
+            <a:noFill/>
+            <a:miter lim="400000"/>
+          </a:ln>
+          <a:extLst>
+            <a:ext uri="{C572A759-6A51-4108-AA02-DFA0A04FC94B}">
+              <ma14:wrappingTextBoxFlag xmlns:ma14="http://schemas.microsoft.com/office/mac/drawingml/2011/main" xmlns="" val="1"/>
+            </a:ext>
+          </a:extLst>
+        </p:spPr>
+        <p:txBody>
+          <a:bodyPr rtlCol="0" anchor="ctr"/>
+          <a:lstStyle/>
+          <a:p>
+            <a:pPr algn="ctr"/>
+            <a:endParaRPr kumimoji="1" lang="ja-JP" altLang="en-US"/>
+          </a:p>
+        </p:txBody>
+      </p:sp>
+      <p:sp>
+        <p:nvSpPr>
+          <p:cNvPr id="20" name="台形 19">
+            <a:extLst>
+              <a:ext uri="{FF2B5EF4-FFF2-40B4-BE49-F238E27FC236}">
+                <a16:creationId xmlns:a16="http://schemas.microsoft.com/office/drawing/2014/main" id="{EC44BBD1-9145-66AE-1D42-4D0405501BD3}"/>
+              </a:ext>
+            </a:extLst>
+          </p:cNvPr>
+          <p:cNvSpPr/>
+          <p:nvPr/>
+        </p:nvSpPr>
+        <p:spPr>
+          <a:xfrm rot="20650315">
+            <a:off x="6009818" y="2964077"/>
+            <a:ext cx="1025571" cy="2246207"/>
+          </a:xfrm>
+          <a:prstGeom prst="trapezoid">
+            <a:avLst>
+              <a:gd name="adj" fmla="val 29956"/>
+            </a:avLst>
+          </a:prstGeom>
+          <a:solidFill>
+            <a:schemeClr val="bg1">
+              <a:lumMod val="95000"/>
+            </a:schemeClr>
+          </a:solidFill>
+          <a:ln w="12700">
+            <a:noFill/>
+            <a:miter lim="400000"/>
+          </a:ln>
+          <a:extLst>
+            <a:ext uri="{C572A759-6A51-4108-AA02-DFA0A04FC94B}">
+              <ma14:wrappingTextBoxFlag xmlns:ma14="http://schemas.microsoft.com/office/mac/drawingml/2011/main" xmlns="" val="1"/>
+            </a:ext>
+          </a:extLst>
+        </p:spPr>
+        <p:txBody>
+          <a:bodyPr rtlCol="0" anchor="ctr"/>
+          <a:lstStyle/>
+          <a:p>
+            <a:pPr algn="ctr"/>
+            <a:endParaRPr kumimoji="1" lang="ja-JP" altLang="en-US"/>
+          </a:p>
+        </p:txBody>
+      </p:sp>
+      <p:sp>
+        <p:nvSpPr>
+          <p:cNvPr id="21" name="三角形 20">
+            <a:extLst>
+              <a:ext uri="{FF2B5EF4-FFF2-40B4-BE49-F238E27FC236}">
+                <a16:creationId xmlns:a16="http://schemas.microsoft.com/office/drawing/2014/main" id="{6E95F27E-FF65-BF5D-0122-EA4CD1AEE085}"/>
+              </a:ext>
+            </a:extLst>
+          </p:cNvPr>
+          <p:cNvSpPr/>
+          <p:nvPr/>
+        </p:nvSpPr>
+        <p:spPr>
+          <a:xfrm rot="13339214">
+            <a:off x="5964866" y="1571249"/>
+            <a:ext cx="998863" cy="2506340"/>
+          </a:xfrm>
+          <a:prstGeom prst="triangle">
+            <a:avLst>
+              <a:gd name="adj" fmla="val 100000"/>
+            </a:avLst>
+          </a:prstGeom>
+          <a:solidFill>
+            <a:schemeClr val="bg1">
+              <a:lumMod val="95000"/>
+            </a:schemeClr>
+          </a:solidFill>
+          <a:ln w="12700">
+            <a:noFill/>
+            <a:miter lim="400000"/>
+          </a:ln>
+          <a:extLst>
+            <a:ext uri="{C572A759-6A51-4108-AA02-DFA0A04FC94B}">
+              <ma14:wrappingTextBoxFlag xmlns:ma14="http://schemas.microsoft.com/office/mac/drawingml/2011/main" xmlns="" val="1"/>
+            </a:ext>
+          </a:extLst>
+        </p:spPr>
+        <p:txBody>
+          <a:bodyPr rtlCol="0" anchor="ctr"/>
+          <a:lstStyle/>
+          <a:p>
+            <a:pPr algn="ctr"/>
+            <a:endParaRPr kumimoji="1" lang="ja-JP" altLang="en-US"/>
+          </a:p>
+        </p:txBody>
+      </p:sp>
+      <p:sp>
+        <p:nvSpPr>
+          <p:cNvPr id="22" name="三角形 21">
+            <a:extLst>
+              <a:ext uri="{FF2B5EF4-FFF2-40B4-BE49-F238E27FC236}">
+                <a16:creationId xmlns:a16="http://schemas.microsoft.com/office/drawing/2014/main" id="{D5FC1C05-EB04-89E1-B2F8-E2C4FDA2358E}"/>
+              </a:ext>
+            </a:extLst>
+          </p:cNvPr>
+          <p:cNvSpPr/>
+          <p:nvPr/>
+        </p:nvSpPr>
+        <p:spPr>
+          <a:xfrm rot="9105164">
+            <a:off x="7411653" y="2545271"/>
+            <a:ext cx="1022446" cy="2382478"/>
+          </a:xfrm>
+          <a:prstGeom prst="triangle">
+            <a:avLst>
+              <a:gd name="adj" fmla="val 48202"/>
+            </a:avLst>
+          </a:prstGeom>
+          <a:solidFill>
+            <a:schemeClr val="bg1">
+              <a:lumMod val="95000"/>
+            </a:schemeClr>
+          </a:solidFill>
+          <a:ln w="12700">
+            <a:noFill/>
+            <a:miter lim="400000"/>
+          </a:ln>
+          <a:extLst>
+            <a:ext uri="{C572A759-6A51-4108-AA02-DFA0A04FC94B}">
+              <ma14:wrappingTextBoxFlag xmlns:ma14="http://schemas.microsoft.com/office/mac/drawingml/2011/main" xmlns="" val="1"/>
+            </a:ext>
+          </a:extLst>
+        </p:spPr>
+        <p:txBody>
+          <a:bodyPr rtlCol="0" anchor="ctr"/>
+          <a:lstStyle/>
+          <a:p>
+            <a:pPr algn="ctr"/>
+            <a:endParaRPr kumimoji="1" lang="ja-JP" altLang="en-US"/>
+          </a:p>
+        </p:txBody>
+      </p:sp>
+    </p:spTree>
+    <p:extLst>
+      <p:ext uri="{BB962C8B-B14F-4D97-AF65-F5344CB8AC3E}">
+        <p14:creationId xmlns:p14="http://schemas.microsoft.com/office/powerpoint/2010/main" val="2230467580"/>
+      </p:ext>
+    </p:extLst>
+  </p:cSld>
+  <p:clrMapOvr>
+    <a:masterClrMapping/>
+  </p:clrMapOvr>
+</p:sld>
+</file>
+
+<file path=ppt/slides/slide6.xml><?xml version="1.0" encoding="utf-8"?>
+<p:sld xmlns:a="http://schemas.openxmlformats.org/drawingml/2006/main" xmlns:r="http://schemas.openxmlformats.org/officeDocument/2006/relationships" xmlns:p="http://schemas.openxmlformats.org/presentationml/2006/main">
+  <p:cSld>
+    <p:spTree>
+      <p:nvGrpSpPr>
+        <p:cNvPr id="1" name=""/>
+        <p:cNvGrpSpPr/>
+        <p:nvPr/>
+      </p:nvGrpSpPr>
+      <p:grpSpPr>
+        <a:xfrm>
+          <a:off x="0" y="0"/>
+          <a:ext cx="0" cy="0"/>
+          <a:chOff x="0" y="0"/>
+          <a:chExt cx="0" cy="0"/>
+        </a:xfrm>
+      </p:grpSpPr>
+      <p:sp>
+        <p:nvSpPr>
+          <p:cNvPr id="17" name="正方形/長方形 16">
+            <a:extLst>
+              <a:ext uri="{FF2B5EF4-FFF2-40B4-BE49-F238E27FC236}">
+                <a16:creationId xmlns:a16="http://schemas.microsoft.com/office/drawing/2014/main" id="{5B7E9BC7-E1B5-80B6-63D0-4BEC40733C34}"/>
+              </a:ext>
+            </a:extLst>
+          </p:cNvPr>
+          <p:cNvSpPr>
+            <a:spLocks noChangeAspect="1"/>
+          </p:cNvSpPr>
+          <p:nvPr/>
+        </p:nvSpPr>
+        <p:spPr>
+          <a:xfrm>
+            <a:off x="3071972" y="621000"/>
+            <a:ext cx="5616000" cy="5616000"/>
+          </a:xfrm>
+          <a:prstGeom prst="rect">
+            <a:avLst/>
+          </a:prstGeom>
+          <a:solidFill>
+            <a:srgbClr val="209CEE"/>
+          </a:solidFill>
+          <a:ln w="12700">
+            <a:noFill/>
+            <a:miter lim="400000"/>
+          </a:ln>
+          <a:extLst>
+            <a:ext uri="{C572A759-6A51-4108-AA02-DFA0A04FC94B}">
+              <ma14:wrappingTextBoxFlag xmlns:ma14="http://schemas.microsoft.com/office/mac/drawingml/2011/main" xmlns="" val="1"/>
+            </a:ext>
+          </a:extLst>
+        </p:spPr>
+        <p:txBody>
+          <a:bodyPr rtlCol="0" anchor="ctr"/>
+          <a:lstStyle/>
+          <a:p>
+            <a:pPr algn="ctr"/>
+            <a:endParaRPr kumimoji="1" lang="ja-JP" altLang="en-US" sz="2000">
+              <a:latin typeface="Plantagenet Cherokee" panose="02020000000000000000" pitchFamily="18" charset="-79"/>
+              <a:cs typeface="Plantagenet Cherokee" panose="02020000000000000000" pitchFamily="18" charset="-79"/>
+            </a:endParaRPr>
+          </a:p>
+        </p:txBody>
+      </p:sp>
+    </p:spTree>
+    <p:extLst>
+      <p:ext uri="{BB962C8B-B14F-4D97-AF65-F5344CB8AC3E}">
+        <p14:creationId xmlns:p14="http://schemas.microsoft.com/office/powerpoint/2010/main" val="1587690726"/>
       </p:ext>
     </p:extLst>
   </p:cSld>
@@ -8952,7 +9380,7 @@
         </a:ln>
         <a:extLst>
           <a:ext uri="{C572A759-6A51-4108-AA02-DFA0A04FC94B}">
-            <ma14:wrappingTextBoxFlag xmlns:ma14="http://schemas.microsoft.com/office/mac/drawingml/2011/main" xmlns="" xmlns:r="http://schemas.openxmlformats.org/officeDocument/2006/relationships" xmlns:p="http://schemas.openxmlformats.org/presentationml/2006/main" val="1"/>
+            <ma14:wrappingTextBoxFlag xmlns:p="http://schemas.openxmlformats.org/presentationml/2006/main" xmlns:r="http://schemas.openxmlformats.org/officeDocument/2006/relationships" xmlns="" xmlns:ma14="http://schemas.microsoft.com/office/mac/drawingml/2011/main" val="1"/>
           </a:ext>
         </a:extLst>
       </a:spPr>
